--- a/2D Isotropic Magnetostriction Model.pptx
+++ b/2D Isotropic Magnetostriction Model.pptx
@@ -111,6 +111,11 @@
       </a:defRPr>
     </a:lvl9pPr>
   </p:defaultTextStyle>
+  <p:extLst>
+    <p:ext uri="{EFAFB233-063F-42B5-8137-9DF3F51BA10A}">
+      <p15:sldGuideLst xmlns:p15="http://schemas.microsoft.com/office/powerpoint/2012/main"/>
+    </p:ext>
+  </p:extLst>
 </p:presentation>
 </file>
 
@@ -261,7 +266,7 @@
           <a:p>
             <a:fld id="{9AD0BE37-505F-4FAD-85EF-F5C7A71544AD}" type="datetimeFigureOut">
               <a:rPr lang="en-US" smtClean="0"/>
-              <a:t>3/1/2023</a:t>
+              <a:t>3/2/2023</a:t>
             </a:fld>
             <a:endParaRPr lang="en-US"/>
           </a:p>
@@ -459,7 +464,7 @@
           <a:p>
             <a:fld id="{9AD0BE37-505F-4FAD-85EF-F5C7A71544AD}" type="datetimeFigureOut">
               <a:rPr lang="en-US" smtClean="0"/>
-              <a:t>3/1/2023</a:t>
+              <a:t>3/2/2023</a:t>
             </a:fld>
             <a:endParaRPr lang="en-US"/>
           </a:p>
@@ -667,7 +672,7 @@
           <a:p>
             <a:fld id="{9AD0BE37-505F-4FAD-85EF-F5C7A71544AD}" type="datetimeFigureOut">
               <a:rPr lang="en-US" smtClean="0"/>
-              <a:t>3/1/2023</a:t>
+              <a:t>3/2/2023</a:t>
             </a:fld>
             <a:endParaRPr lang="en-US"/>
           </a:p>
@@ -865,7 +870,7 @@
           <a:p>
             <a:fld id="{9AD0BE37-505F-4FAD-85EF-F5C7A71544AD}" type="datetimeFigureOut">
               <a:rPr lang="en-US" smtClean="0"/>
-              <a:t>3/1/2023</a:t>
+              <a:t>3/2/2023</a:t>
             </a:fld>
             <a:endParaRPr lang="en-US"/>
           </a:p>
@@ -1140,7 +1145,7 @@
           <a:p>
             <a:fld id="{9AD0BE37-505F-4FAD-85EF-F5C7A71544AD}" type="datetimeFigureOut">
               <a:rPr lang="en-US" smtClean="0"/>
-              <a:t>3/1/2023</a:t>
+              <a:t>3/2/2023</a:t>
             </a:fld>
             <a:endParaRPr lang="en-US"/>
           </a:p>
@@ -1405,7 +1410,7 @@
           <a:p>
             <a:fld id="{9AD0BE37-505F-4FAD-85EF-F5C7A71544AD}" type="datetimeFigureOut">
               <a:rPr lang="en-US" smtClean="0"/>
-              <a:t>3/1/2023</a:t>
+              <a:t>3/2/2023</a:t>
             </a:fld>
             <a:endParaRPr lang="en-US"/>
           </a:p>
@@ -1817,7 +1822,7 @@
           <a:p>
             <a:fld id="{9AD0BE37-505F-4FAD-85EF-F5C7A71544AD}" type="datetimeFigureOut">
               <a:rPr lang="en-US" smtClean="0"/>
-              <a:t>3/1/2023</a:t>
+              <a:t>3/2/2023</a:t>
             </a:fld>
             <a:endParaRPr lang="en-US"/>
           </a:p>
@@ -1958,7 +1963,7 @@
           <a:p>
             <a:fld id="{9AD0BE37-505F-4FAD-85EF-F5C7A71544AD}" type="datetimeFigureOut">
               <a:rPr lang="en-US" smtClean="0"/>
-              <a:t>3/1/2023</a:t>
+              <a:t>3/2/2023</a:t>
             </a:fld>
             <a:endParaRPr lang="en-US"/>
           </a:p>
@@ -2071,7 +2076,7 @@
           <a:p>
             <a:fld id="{9AD0BE37-505F-4FAD-85EF-F5C7A71544AD}" type="datetimeFigureOut">
               <a:rPr lang="en-US" smtClean="0"/>
-              <a:t>3/1/2023</a:t>
+              <a:t>3/2/2023</a:t>
             </a:fld>
             <a:endParaRPr lang="en-US"/>
           </a:p>
@@ -2382,7 +2387,7 @@
           <a:p>
             <a:fld id="{9AD0BE37-505F-4FAD-85EF-F5C7A71544AD}" type="datetimeFigureOut">
               <a:rPr lang="en-US" smtClean="0"/>
-              <a:t>3/1/2023</a:t>
+              <a:t>3/2/2023</a:t>
             </a:fld>
             <a:endParaRPr lang="en-US"/>
           </a:p>
@@ -2670,7 +2675,7 @@
           <a:p>
             <a:fld id="{9AD0BE37-505F-4FAD-85EF-F5C7A71544AD}" type="datetimeFigureOut">
               <a:rPr lang="en-US" smtClean="0"/>
-              <a:t>3/1/2023</a:t>
+              <a:t>3/2/2023</a:t>
             </a:fld>
             <a:endParaRPr lang="en-US"/>
           </a:p>
@@ -2911,7 +2916,7 @@
           <a:p>
             <a:fld id="{9AD0BE37-505F-4FAD-85EF-F5C7A71544AD}" type="datetimeFigureOut">
               <a:rPr lang="en-US" smtClean="0"/>
-              <a:t>3/1/2023</a:t>
+              <a:t>3/2/2023</a:t>
             </a:fld>
             <a:endParaRPr lang="en-US"/>
           </a:p>
@@ -3457,8 +3462,8 @@
           </a:p>
         </p:txBody>
       </p:sp>
-      <mc:AlternateContent xmlns:mc="http://schemas.openxmlformats.org/markup-compatibility/2006">
-        <mc:Choice xmlns:a14="http://schemas.microsoft.com/office/drawing/2010/main" Requires="a14">
+      <mc:AlternateContent xmlns:mc="http://schemas.openxmlformats.org/markup-compatibility/2006" xmlns:a14="http://schemas.microsoft.com/office/drawing/2010/main">
+        <mc:Choice Requires="a14">
           <p:sp>
             <p:nvSpPr>
               <p:cNvPr id="11" name="TextBox 10">
@@ -3523,7 +3528,7 @@
             </p:txBody>
           </p:sp>
         </mc:Choice>
-        <mc:Fallback>
+        <mc:Fallback xmlns="">
           <p:sp>
             <p:nvSpPr>
               <p:cNvPr id="11" name="TextBox 10">
@@ -4171,7 +4176,7 @@
         </p:spPr>
         <p:txBody>
           <a:bodyPr>
-            <a:normAutofit/>
+            <a:normAutofit lnSpcReduction="10000"/>
           </a:bodyPr>
           <a:lstStyle/>
           <a:p>
@@ -4183,31 +4188,31 @@
           <a:p>
             <a:r>
               <a:rPr lang="en-US" sz="2400" dirty="0"/>
-              <a:t>Isotropic material</a:t>
+              <a:t>Isotropic and Homogeneous material</a:t>
             </a:r>
           </a:p>
           <a:p>
             <a:r>
               <a:rPr lang="en-US" sz="2400" dirty="0"/>
-              <a:t>Instantaneous magnetic dipole response</a:t>
+              <a:t>Instantaneous magnetic moment response</a:t>
             </a:r>
           </a:p>
           <a:p>
             <a:r>
               <a:rPr lang="en-US" sz="2400" dirty="0"/>
-              <a:t>Magnetic dipole does not contribute to torque</a:t>
+              <a:t>Magnetic moment does not contribute to torque</a:t>
             </a:r>
           </a:p>
           <a:p>
             <a:r>
               <a:rPr lang="en-US" sz="2400" dirty="0"/>
-              <a:t>Single domain (very small volume - 0.1mm to 1mm dimensions)</a:t>
+              <a:t>Single domain (very small area - 0.1mm to 1mm dimensions)</a:t>
             </a:r>
           </a:p>
           <a:p>
             <a:r>
               <a:rPr lang="en-US" sz="2400" dirty="0"/>
-              <a:t>Uni-directional, uniform, alternating magnetic field</a:t>
+              <a:t>Uni-directional, uniform, alternating magnetic field, which is in the same direction as the strain measurement axis.</a:t>
             </a:r>
           </a:p>
           <a:p>
@@ -4220,10 +4225,10 @@
       </p:sp>
       <p:pic>
         <p:nvPicPr>
-          <p:cNvPr id="6" name="Picture 5">
-            <a:extLst>
-              <a:ext uri="{FF2B5EF4-FFF2-40B4-BE49-F238E27FC236}">
-                <a16:creationId xmlns:a16="http://schemas.microsoft.com/office/drawing/2014/main" id="{6EE76C1D-43D4-BC50-0A42-4347D0C7EC4F}"/>
+          <p:cNvPr id="8" name="Picture 7">
+            <a:extLst>
+              <a:ext uri="{FF2B5EF4-FFF2-40B4-BE49-F238E27FC236}">
+                <a16:creationId xmlns:a16="http://schemas.microsoft.com/office/drawing/2014/main" id="{466BF11C-488C-8D20-F180-851EA0DA6E6D}"/>
               </a:ext>
             </a:extLst>
           </p:cNvPr>
@@ -4234,36 +4239,6 @@
         </p:nvPicPr>
         <p:blipFill>
           <a:blip r:embed="rId2"/>
-          <a:stretch>
-            <a:fillRect/>
-          </a:stretch>
-        </p:blipFill>
-        <p:spPr>
-          <a:xfrm>
-            <a:off x="1345367" y="1163858"/>
-            <a:ext cx="5589735" cy="2488802"/>
-          </a:xfrm>
-          <a:prstGeom prst="rect">
-            <a:avLst/>
-          </a:prstGeom>
-        </p:spPr>
-      </p:pic>
-      <p:pic>
-        <p:nvPicPr>
-          <p:cNvPr id="8" name="Picture 7">
-            <a:extLst>
-              <a:ext uri="{FF2B5EF4-FFF2-40B4-BE49-F238E27FC236}">
-                <a16:creationId xmlns:a16="http://schemas.microsoft.com/office/drawing/2014/main" id="{466BF11C-488C-8D20-F180-851EA0DA6E6D}"/>
-              </a:ext>
-            </a:extLst>
-          </p:cNvPr>
-          <p:cNvPicPr>
-            <a:picLocks noChangeAspect="1"/>
-          </p:cNvPicPr>
-          <p:nvPr/>
-        </p:nvPicPr>
-        <p:blipFill>
-          <a:blip r:embed="rId3"/>
           <a:stretch>
             <a:fillRect/>
           </a:stretch>
@@ -4278,8 +4253,8 @@
           </a:prstGeom>
         </p:spPr>
       </p:pic>
-      <mc:AlternateContent xmlns:mc="http://schemas.openxmlformats.org/markup-compatibility/2006">
-        <mc:Choice xmlns:a14="http://schemas.microsoft.com/office/drawing/2010/main" Requires="a14">
+      <mc:AlternateContent xmlns:mc="http://schemas.openxmlformats.org/markup-compatibility/2006" xmlns:a14="http://schemas.microsoft.com/office/drawing/2010/main">
+        <mc:Choice Requires="a14">
           <p:sp>
             <p:nvSpPr>
               <p:cNvPr id="10" name="TextBox 9">
@@ -4308,6 +4283,7 @@
               </a:bodyPr>
               <a:lstStyle/>
               <a:p>
+                <a:pPr/>
                 <a14:m>
                   <m:oMathPara xmlns:m="http://schemas.openxmlformats.org/officeDocument/2006/math">
                     <m:oMathParaPr>
@@ -4340,7 +4316,7 @@
             </p:txBody>
           </p:sp>
         </mc:Choice>
-        <mc:Fallback>
+        <mc:Fallback xmlns="">
           <p:sp>
             <p:nvSpPr>
               <p:cNvPr id="10" name="TextBox 9">
@@ -4385,8 +4361,8 @@
           </p:sp>
         </mc:Fallback>
       </mc:AlternateContent>
-      <mc:AlternateContent xmlns:mc="http://schemas.openxmlformats.org/markup-compatibility/2006">
-        <mc:Choice xmlns:a14="http://schemas.microsoft.com/office/drawing/2010/main" Requires="a14">
+      <mc:AlternateContent xmlns:mc="http://schemas.openxmlformats.org/markup-compatibility/2006" xmlns:a14="http://schemas.microsoft.com/office/drawing/2010/main">
+        <mc:Choice Requires="a14">
           <p:sp>
             <p:nvSpPr>
               <p:cNvPr id="12" name="TextBox 11">
@@ -4446,7 +4422,7 @@
             </p:txBody>
           </p:sp>
         </mc:Choice>
-        <mc:Fallback>
+        <mc:Fallback xmlns="">
           <p:sp>
             <p:nvSpPr>
               <p:cNvPr id="12" name="TextBox 11">
@@ -4491,8 +4467,8 @@
           </p:sp>
         </mc:Fallback>
       </mc:AlternateContent>
-      <mc:AlternateContent xmlns:mc="http://schemas.openxmlformats.org/markup-compatibility/2006">
-        <mc:Choice xmlns:a14="http://schemas.microsoft.com/office/drawing/2010/main" Requires="a14">
+      <mc:AlternateContent xmlns:mc="http://schemas.openxmlformats.org/markup-compatibility/2006" xmlns:a14="http://schemas.microsoft.com/office/drawing/2010/main">
+        <mc:Choice Requires="a14">
           <p:sp>
             <p:nvSpPr>
               <p:cNvPr id="14" name="TextBox 13">
@@ -4542,7 +4518,7 @@
             </p:txBody>
           </p:sp>
         </mc:Choice>
-        <mc:Fallback>
+        <mc:Fallback xmlns="">
           <p:sp>
             <p:nvSpPr>
               <p:cNvPr id="14" name="TextBox 13">
@@ -4587,8 +4563,8 @@
           </p:sp>
         </mc:Fallback>
       </mc:AlternateContent>
-      <mc:AlternateContent xmlns:mc="http://schemas.openxmlformats.org/markup-compatibility/2006">
-        <mc:Choice xmlns:a14="http://schemas.microsoft.com/office/drawing/2010/main" Requires="a14">
+      <mc:AlternateContent xmlns:mc="http://schemas.openxmlformats.org/markup-compatibility/2006" xmlns:a14="http://schemas.microsoft.com/office/drawing/2010/main">
+        <mc:Choice Requires="a14">
           <p:sp>
             <p:nvSpPr>
               <p:cNvPr id="16" name="TextBox 15">
@@ -4638,7 +4614,7 @@
             </p:txBody>
           </p:sp>
         </mc:Choice>
-        <mc:Fallback>
+        <mc:Fallback xmlns="">
           <p:sp>
             <p:nvSpPr>
               <p:cNvPr id="16" name="TextBox 15">
@@ -4683,8 +4659,8 @@
           </p:sp>
         </mc:Fallback>
       </mc:AlternateContent>
-      <mc:AlternateContent xmlns:mc="http://schemas.openxmlformats.org/markup-compatibility/2006">
-        <mc:Choice xmlns:a14="http://schemas.microsoft.com/office/drawing/2010/main" Requires="a14">
+      <mc:AlternateContent xmlns:mc="http://schemas.openxmlformats.org/markup-compatibility/2006" xmlns:a14="http://schemas.microsoft.com/office/drawing/2010/main">
+        <mc:Choice Requires="a14">
           <p:sp>
             <p:nvSpPr>
               <p:cNvPr id="18" name="TextBox 17">
@@ -4734,7 +4710,7 @@
             </p:txBody>
           </p:sp>
         </mc:Choice>
-        <mc:Fallback>
+        <mc:Fallback xmlns="">
           <p:sp>
             <p:nvSpPr>
               <p:cNvPr id="18" name="TextBox 17">
@@ -4779,6 +4755,36 @@
           </p:sp>
         </mc:Fallback>
       </mc:AlternateContent>
+      <p:pic>
+        <p:nvPicPr>
+          <p:cNvPr id="5" name="Picture 4">
+            <a:extLst>
+              <a:ext uri="{FF2B5EF4-FFF2-40B4-BE49-F238E27FC236}">
+                <a16:creationId xmlns:a16="http://schemas.microsoft.com/office/drawing/2014/main" id="{0009CEF4-B1B8-30A0-C1A2-EDBD76953E3E}"/>
+              </a:ext>
+            </a:extLst>
+          </p:cNvPr>
+          <p:cNvPicPr>
+            <a:picLocks noChangeAspect="1"/>
+          </p:cNvPicPr>
+          <p:nvPr/>
+        </p:nvPicPr>
+        <p:blipFill>
+          <a:blip r:embed="rId9"/>
+          <a:stretch>
+            <a:fillRect/>
+          </a:stretch>
+        </p:blipFill>
+        <p:spPr>
+          <a:xfrm>
+            <a:off x="1064740" y="1236759"/>
+            <a:ext cx="5757300" cy="2471801"/>
+          </a:xfrm>
+          <a:prstGeom prst="rect">
+            <a:avLst/>
+          </a:prstGeom>
+        </p:spPr>
+      </p:pic>
     </p:spTree>
     <p:extLst>
       <p:ext uri="{BB962C8B-B14F-4D97-AF65-F5344CB8AC3E}">

--- a/2D Isotropic Magnetostriction Model.pptx
+++ b/2D Isotropic Magnetostriction Model.pptx
@@ -266,7 +266,7 @@
           <a:p>
             <a:fld id="{9AD0BE37-505F-4FAD-85EF-F5C7A71544AD}" type="datetimeFigureOut">
               <a:rPr lang="en-US" smtClean="0"/>
-              <a:t>3/2/2023</a:t>
+              <a:t>3/3/2023</a:t>
             </a:fld>
             <a:endParaRPr lang="en-US"/>
           </a:p>
@@ -464,7 +464,7 @@
           <a:p>
             <a:fld id="{9AD0BE37-505F-4FAD-85EF-F5C7A71544AD}" type="datetimeFigureOut">
               <a:rPr lang="en-US" smtClean="0"/>
-              <a:t>3/2/2023</a:t>
+              <a:t>3/3/2023</a:t>
             </a:fld>
             <a:endParaRPr lang="en-US"/>
           </a:p>
@@ -672,7 +672,7 @@
           <a:p>
             <a:fld id="{9AD0BE37-505F-4FAD-85EF-F5C7A71544AD}" type="datetimeFigureOut">
               <a:rPr lang="en-US" smtClean="0"/>
-              <a:t>3/2/2023</a:t>
+              <a:t>3/3/2023</a:t>
             </a:fld>
             <a:endParaRPr lang="en-US"/>
           </a:p>
@@ -870,7 +870,7 @@
           <a:p>
             <a:fld id="{9AD0BE37-505F-4FAD-85EF-F5C7A71544AD}" type="datetimeFigureOut">
               <a:rPr lang="en-US" smtClean="0"/>
-              <a:t>3/2/2023</a:t>
+              <a:t>3/3/2023</a:t>
             </a:fld>
             <a:endParaRPr lang="en-US"/>
           </a:p>
@@ -1145,7 +1145,7 @@
           <a:p>
             <a:fld id="{9AD0BE37-505F-4FAD-85EF-F5C7A71544AD}" type="datetimeFigureOut">
               <a:rPr lang="en-US" smtClean="0"/>
-              <a:t>3/2/2023</a:t>
+              <a:t>3/3/2023</a:t>
             </a:fld>
             <a:endParaRPr lang="en-US"/>
           </a:p>
@@ -1410,7 +1410,7 @@
           <a:p>
             <a:fld id="{9AD0BE37-505F-4FAD-85EF-F5C7A71544AD}" type="datetimeFigureOut">
               <a:rPr lang="en-US" smtClean="0"/>
-              <a:t>3/2/2023</a:t>
+              <a:t>3/3/2023</a:t>
             </a:fld>
             <a:endParaRPr lang="en-US"/>
           </a:p>
@@ -1822,7 +1822,7 @@
           <a:p>
             <a:fld id="{9AD0BE37-505F-4FAD-85EF-F5C7A71544AD}" type="datetimeFigureOut">
               <a:rPr lang="en-US" smtClean="0"/>
-              <a:t>3/2/2023</a:t>
+              <a:t>3/3/2023</a:t>
             </a:fld>
             <a:endParaRPr lang="en-US"/>
           </a:p>
@@ -1963,7 +1963,7 @@
           <a:p>
             <a:fld id="{9AD0BE37-505F-4FAD-85EF-F5C7A71544AD}" type="datetimeFigureOut">
               <a:rPr lang="en-US" smtClean="0"/>
-              <a:t>3/2/2023</a:t>
+              <a:t>3/3/2023</a:t>
             </a:fld>
             <a:endParaRPr lang="en-US"/>
           </a:p>
@@ -2076,7 +2076,7 @@
           <a:p>
             <a:fld id="{9AD0BE37-505F-4FAD-85EF-F5C7A71544AD}" type="datetimeFigureOut">
               <a:rPr lang="en-US" smtClean="0"/>
-              <a:t>3/2/2023</a:t>
+              <a:t>3/3/2023</a:t>
             </a:fld>
             <a:endParaRPr lang="en-US"/>
           </a:p>
@@ -2387,7 +2387,7 @@
           <a:p>
             <a:fld id="{9AD0BE37-505F-4FAD-85EF-F5C7A71544AD}" type="datetimeFigureOut">
               <a:rPr lang="en-US" smtClean="0"/>
-              <a:t>3/2/2023</a:t>
+              <a:t>3/3/2023</a:t>
             </a:fld>
             <a:endParaRPr lang="en-US"/>
           </a:p>
@@ -2675,7 +2675,7 @@
           <a:p>
             <a:fld id="{9AD0BE37-505F-4FAD-85EF-F5C7A71544AD}" type="datetimeFigureOut">
               <a:rPr lang="en-US" smtClean="0"/>
-              <a:t>3/2/2023</a:t>
+              <a:t>3/3/2023</a:t>
             </a:fld>
             <a:endParaRPr lang="en-US"/>
           </a:p>
@@ -2916,7 +2916,7 @@
           <a:p>
             <a:fld id="{9AD0BE37-505F-4FAD-85EF-F5C7A71544AD}" type="datetimeFigureOut">
               <a:rPr lang="en-US" smtClean="0"/>
-              <a:t>3/2/2023</a:t>
+              <a:t>3/3/2023</a:t>
             </a:fld>
             <a:endParaRPr lang="en-US"/>
           </a:p>
@@ -3794,8 +3794,8 @@
           </a:prstGeom>
         </p:spPr>
       </p:pic>
-      <mc:AlternateContent xmlns:mc="http://schemas.openxmlformats.org/markup-compatibility/2006">
-        <mc:Choice xmlns:a14="http://schemas.microsoft.com/office/drawing/2010/main" Requires="a14">
+      <mc:AlternateContent xmlns:mc="http://schemas.openxmlformats.org/markup-compatibility/2006" xmlns:a14="http://schemas.microsoft.com/office/drawing/2010/main">
+        <mc:Choice Requires="a14">
           <p:sp>
             <p:nvSpPr>
               <p:cNvPr id="13" name="Content Placeholder 2">
@@ -4045,7 +4045,7 @@
             </p:txBody>
           </p:sp>
         </mc:Choice>
-        <mc:Fallback>
+        <mc:Fallback xmlns="">
           <p:sp>
             <p:nvSpPr>
               <p:cNvPr id="13" name="Content Placeholder 2">
@@ -4757,10 +4757,10 @@
       </mc:AlternateContent>
       <p:pic>
         <p:nvPicPr>
-          <p:cNvPr id="5" name="Picture 4">
-            <a:extLst>
-              <a:ext uri="{FF2B5EF4-FFF2-40B4-BE49-F238E27FC236}">
-                <a16:creationId xmlns:a16="http://schemas.microsoft.com/office/drawing/2014/main" id="{0009CEF4-B1B8-30A0-C1A2-EDBD76953E3E}"/>
+          <p:cNvPr id="6" name="Picture 5">
+            <a:extLst>
+              <a:ext uri="{FF2B5EF4-FFF2-40B4-BE49-F238E27FC236}">
+                <a16:creationId xmlns:a16="http://schemas.microsoft.com/office/drawing/2014/main" id="{917F6EA6-C14A-161C-8071-9A3CFB2C66BB}"/>
               </a:ext>
             </a:extLst>
           </p:cNvPr>
@@ -4777,8 +4777,8 @@
         </p:blipFill>
         <p:spPr>
           <a:xfrm>
-            <a:off x="1064740" y="1236759"/>
-            <a:ext cx="5757300" cy="2471801"/>
+            <a:off x="927334" y="1198657"/>
+            <a:ext cx="5369085" cy="2378348"/>
           </a:xfrm>
           <a:prstGeom prst="rect">
             <a:avLst/>
